--- a/Смирнов М.Л. курсовой проект по ВП на тему 'Риэлтерское агентство'/Смирнов М. Л. курсовой проект по ВП на тему 'Риэлтерское агентство'.pptx
+++ b/Смирнов М.Л. курсовой проект по ВП на тему 'Риэлтерское агентство'/Смирнов М. Л. курсовой проект по ВП на тему 'Риэлтерское агентство'.pptx
@@ -5,7 +5,7 @@
     <p:sldMasterId id="2147483780" r:id="rId1"/>
   </p:sldMasterIdLst>
   <p:notesMasterIdLst>
-    <p:notesMasterId r:id="rId16"/>
+    <p:notesMasterId r:id="rId18"/>
   </p:notesMasterIdLst>
   <p:sldIdLst>
     <p:sldId id="259" r:id="rId2"/>
@@ -14,14 +14,16 @@
     <p:sldId id="261" r:id="rId5"/>
     <p:sldId id="262" r:id="rId6"/>
     <p:sldId id="260" r:id="rId7"/>
-    <p:sldId id="263" r:id="rId8"/>
-    <p:sldId id="264" r:id="rId9"/>
-    <p:sldId id="265" r:id="rId10"/>
-    <p:sldId id="266" r:id="rId11"/>
-    <p:sldId id="267" r:id="rId12"/>
-    <p:sldId id="268" r:id="rId13"/>
-    <p:sldId id="269" r:id="rId14"/>
-    <p:sldId id="272" r:id="rId15"/>
+    <p:sldId id="274" r:id="rId8"/>
+    <p:sldId id="263" r:id="rId9"/>
+    <p:sldId id="264" r:id="rId10"/>
+    <p:sldId id="265" r:id="rId11"/>
+    <p:sldId id="266" r:id="rId12"/>
+    <p:sldId id="267" r:id="rId13"/>
+    <p:sldId id="268" r:id="rId14"/>
+    <p:sldId id="269" r:id="rId15"/>
+    <p:sldId id="273" r:id="rId16"/>
+    <p:sldId id="272" r:id="rId17"/>
   </p:sldIdLst>
   <p:sldSz cx="9144000" cy="6858000" type="screen4x3"/>
   <p:notesSz cx="6858000" cy="9144000"/>
@@ -205,7 +207,7 @@
           <a:p>
             <a:fld id="{1C5CD7D0-7875-4795-81EF-AD3B415EDF39}" type="datetimeFigureOut">
               <a:rPr lang="ru-RU" smtClean="0"/>
-              <a:t>28.05.2020</a:t>
+              <a:t>30.05.2020</a:t>
             </a:fld>
             <a:endParaRPr lang="ru-RU"/>
           </a:p>
@@ -794,7 +796,7 @@
           <a:p>
             <a:fld id="{3472468D-ADE4-4441-BC80-8C42668ED80E}" type="datetimeFigureOut">
               <a:rPr lang="ru-RU" smtClean="0"/>
-              <a:t>28.05.2020</a:t>
+              <a:t>30.05.2020</a:t>
             </a:fld>
             <a:endParaRPr lang="ru-RU"/>
           </a:p>
@@ -964,7 +966,7 @@
           <a:p>
             <a:fld id="{3472468D-ADE4-4441-BC80-8C42668ED80E}" type="datetimeFigureOut">
               <a:rPr lang="ru-RU" smtClean="0"/>
-              <a:t>28.05.2020</a:t>
+              <a:t>30.05.2020</a:t>
             </a:fld>
             <a:endParaRPr lang="ru-RU"/>
           </a:p>
@@ -1139,7 +1141,7 @@
           <a:p>
             <a:fld id="{3472468D-ADE4-4441-BC80-8C42668ED80E}" type="datetimeFigureOut">
               <a:rPr lang="ru-RU" smtClean="0"/>
-              <a:t>28.05.2020</a:t>
+              <a:t>30.05.2020</a:t>
             </a:fld>
             <a:endParaRPr lang="ru-RU"/>
           </a:p>
@@ -1304,7 +1306,7 @@
           <a:p>
             <a:fld id="{3472468D-ADE4-4441-BC80-8C42668ED80E}" type="datetimeFigureOut">
               <a:rPr lang="ru-RU" smtClean="0"/>
-              <a:t>28.05.2020</a:t>
+              <a:t>30.05.2020</a:t>
             </a:fld>
             <a:endParaRPr lang="ru-RU"/>
           </a:p>
@@ -1561,7 +1563,7 @@
           <a:p>
             <a:fld id="{3472468D-ADE4-4441-BC80-8C42668ED80E}" type="datetimeFigureOut">
               <a:rPr lang="ru-RU" smtClean="0"/>
-              <a:t>28.05.2020</a:t>
+              <a:t>30.05.2020</a:t>
             </a:fld>
             <a:endParaRPr lang="ru-RU"/>
           </a:p>
@@ -1701,7 +1703,7 @@
           <a:p>
             <a:fld id="{3472468D-ADE4-4441-BC80-8C42668ED80E}" type="datetimeFigureOut">
               <a:rPr lang="ru-RU" smtClean="0"/>
-              <a:t>28.05.2020</a:t>
+              <a:t>30.05.2020</a:t>
             </a:fld>
             <a:endParaRPr lang="ru-RU"/>
           </a:p>
@@ -2351,7 +2353,7 @@
           <a:p>
             <a:fld id="{3472468D-ADE4-4441-BC80-8C42668ED80E}" type="datetimeFigureOut">
               <a:rPr lang="ru-RU" smtClean="0"/>
-              <a:t>28.05.2020</a:t>
+              <a:t>30.05.2020</a:t>
             </a:fld>
             <a:endParaRPr lang="ru-RU"/>
           </a:p>
@@ -2464,7 +2466,7 @@
           <a:p>
             <a:fld id="{3472468D-ADE4-4441-BC80-8C42668ED80E}" type="datetimeFigureOut">
               <a:rPr lang="ru-RU" smtClean="0"/>
-              <a:t>28.05.2020</a:t>
+              <a:t>30.05.2020</a:t>
             </a:fld>
             <a:endParaRPr lang="ru-RU"/>
           </a:p>
@@ -2554,7 +2556,7 @@
           <a:p>
             <a:fld id="{3472468D-ADE4-4441-BC80-8C42668ED80E}" type="datetimeFigureOut">
               <a:rPr lang="ru-RU" smtClean="0"/>
-              <a:t>28.05.2020</a:t>
+              <a:t>30.05.2020</a:t>
             </a:fld>
             <a:endParaRPr lang="ru-RU"/>
           </a:p>
@@ -2844,7 +2846,7 @@
           <a:p>
             <a:fld id="{3472468D-ADE4-4441-BC80-8C42668ED80E}" type="datetimeFigureOut">
               <a:rPr lang="ru-RU" smtClean="0"/>
-              <a:t>28.05.2020</a:t>
+              <a:t>30.05.2020</a:t>
             </a:fld>
             <a:endParaRPr lang="ru-RU"/>
           </a:p>
@@ -3167,7 +3169,7 @@
           <a:p>
             <a:fld id="{3472468D-ADE4-4441-BC80-8C42668ED80E}" type="datetimeFigureOut">
               <a:rPr lang="ru-RU" smtClean="0"/>
-              <a:t>28.05.2020</a:t>
+              <a:t>30.05.2020</a:t>
             </a:fld>
             <a:endParaRPr lang="ru-RU"/>
           </a:p>
@@ -3624,7 +3626,7 @@
           <a:p>
             <a:fld id="{3472468D-ADE4-4441-BC80-8C42668ED80E}" type="datetimeFigureOut">
               <a:rPr lang="ru-RU" smtClean="0"/>
-              <a:t>28.05.2020</a:t>
+              <a:t>30.05.2020</a:t>
             </a:fld>
             <a:endParaRPr lang="ru-RU"/>
           </a:p>
@@ -4237,7 +4239,7 @@
         </p:nvSpPr>
         <p:spPr>
           <a:xfrm>
-            <a:off x="827584" y="2492896"/>
+            <a:off x="827582" y="2348880"/>
             <a:ext cx="7632848" cy="1569660"/>
           </a:xfrm>
           <a:prstGeom prst="rect">
@@ -4254,15 +4256,7 @@
             <a:pPr algn="ctr"/>
             <a:r>
               <a:rPr lang="ru-RU" sz="2400" b="1" dirty="0" smtClean="0"/>
-              <a:t>Курсовой проект по дисциплине </a:t>
-            </a:r>
-            <a:r>
-              <a:rPr lang="ru-RU" sz="2400" b="1" dirty="0" smtClean="0"/>
-              <a:t>Визуальное программирование </a:t>
-            </a:r>
-            <a:r>
-              <a:rPr lang="ru-RU" sz="2400" b="1" dirty="0" smtClean="0"/>
-              <a:t>на тему</a:t>
+              <a:t>Курсовой проект по дисциплине Визуальное программирование на тему</a:t>
             </a:r>
             <a:r>
               <a:rPr lang="en-US" sz="2400" b="1" dirty="0" smtClean="0"/>
@@ -4270,19 +4264,7 @@
             </a:r>
             <a:r>
               <a:rPr lang="ru-RU" sz="2400" b="1" dirty="0" smtClean="0"/>
-              <a:t>Разработка прототипа информационной системы</a:t>
-            </a:r>
-            <a:r>
-              <a:rPr lang="ru-RU" sz="2400" b="1" dirty="0" smtClean="0"/>
-              <a:t> </a:t>
-            </a:r>
-            <a:r>
-              <a:rPr lang="ru-RU" sz="2400" b="1" dirty="0" smtClean="0"/>
-              <a:t>«</a:t>
-            </a:r>
-            <a:r>
-              <a:rPr lang="ru-RU" sz="2400" b="1" dirty="0" smtClean="0"/>
-              <a:t>Риэлтерское агентство»</a:t>
+              <a:t>Разработка прототипа информационной системы «Риэлтерское агентство»</a:t>
             </a:r>
             <a:endParaRPr lang="ru-RU" sz="2400" b="1" dirty="0"/>
           </a:p>
@@ -4312,11 +4294,7 @@
           <a:p>
             <a:r>
               <a:rPr lang="ru-RU" sz="1400" dirty="0" smtClean="0"/>
-              <a:t>Казань </a:t>
-            </a:r>
-            <a:r>
-              <a:rPr lang="ru-RU" sz="1400" dirty="0" smtClean="0"/>
-              <a:t>2020</a:t>
+              <a:t>Казань 2020</a:t>
             </a:r>
             <a:endParaRPr lang="ru-RU" sz="1400" dirty="0"/>
           </a:p>
@@ -4371,7 +4349,43 @@
             </a:r>
             <a:r>
               <a:rPr lang="ru-RU" sz="1600" dirty="0" smtClean="0"/>
-              <a:t> КФМН, доцент кафедры ИСУИР </a:t>
+              <a:t> </a:t>
+            </a:r>
+            <a:r>
+              <a:rPr lang="ru-RU" sz="1600" dirty="0"/>
+              <a:t>к</a:t>
+            </a:r>
+            <a:r>
+              <a:rPr lang="en-US" sz="1600" dirty="0" smtClean="0"/>
+              <a:t>.</a:t>
+            </a:r>
+            <a:r>
+              <a:rPr lang="ru-RU" sz="1600" dirty="0"/>
+              <a:t>ф</a:t>
+            </a:r>
+            <a:r>
+              <a:rPr lang="en-US" sz="1600" dirty="0" smtClean="0"/>
+              <a:t>-</a:t>
+            </a:r>
+            <a:r>
+              <a:rPr lang="ru-RU" sz="1600" dirty="0"/>
+              <a:t>м</a:t>
+            </a:r>
+            <a:r>
+              <a:rPr lang="en-US" sz="1600" dirty="0" smtClean="0"/>
+              <a:t>.</a:t>
+            </a:r>
+            <a:r>
+              <a:rPr lang="ru-RU" sz="1600" dirty="0"/>
+              <a:t>н</a:t>
+            </a:r>
+            <a:r>
+              <a:rPr lang="ru-RU" sz="1600" dirty="0" smtClean="0"/>
+              <a:t>, </a:t>
+            </a:r>
+            <a:r>
+              <a:rPr lang="ru-RU" sz="1600" dirty="0" smtClean="0"/>
+              <a:t>доцент кафедры ИСУИР </a:t>
             </a:r>
             <a:r>
               <a:rPr lang="ru-RU" sz="1600" dirty="0" err="1" smtClean="0"/>
@@ -4424,22 +4438,21 @@
       </p:grpSpPr>
       <p:sp>
         <p:nvSpPr>
-          <p:cNvPr id="2" name="TextBox 1"/>
-          <p:cNvSpPr txBox="1"/>
+          <p:cNvPr id="2" name="Прямоугольник 1"/>
+          <p:cNvSpPr/>
           <p:nvPr/>
         </p:nvSpPr>
         <p:spPr>
           <a:xfrm>
-            <a:off x="2724313" y="340809"/>
-            <a:ext cx="3567002" cy="369332"/>
-          </a:xfrm>
-          <a:prstGeom prst="rect">
-            <a:avLst/>
-          </a:prstGeom>
-          <a:noFill/>
-        </p:spPr>
-        <p:txBody>
-          <a:bodyPr wrap="none" rtlCol="0">
+            <a:off x="2714848" y="332656"/>
+            <a:ext cx="3501280" cy="369332"/>
+          </a:xfrm>
+          <a:prstGeom prst="rect">
+            <a:avLst/>
+          </a:prstGeom>
+        </p:spPr>
+        <p:txBody>
+          <a:bodyPr wrap="none">
             <a:spAutoFit/>
           </a:bodyPr>
           <a:lstStyle/>
@@ -4450,25 +4463,20 @@
                   <a:srgbClr val="FFC000"/>
                 </a:solidFill>
               </a:rPr>
-              <a:t>ВОЗМОЖНОСТИ СЕКРЕТАРЯ</a:t>
-            </a:r>
-            <a:endParaRPr lang="ru-RU" dirty="0">
-              <a:solidFill>
-                <a:srgbClr val="FFC000"/>
-              </a:solidFill>
-            </a:endParaRPr>
-          </a:p>
-        </p:txBody>
-      </p:sp>
-      <p:sp>
-        <p:nvSpPr>
-          <p:cNvPr id="6" name="TextBox 5"/>
+              <a:t>ВОЗМОЖНОСТИ РИЭЛТОРА</a:t>
+            </a:r>
+          </a:p>
+        </p:txBody>
+      </p:sp>
+      <p:sp>
+        <p:nvSpPr>
+          <p:cNvPr id="5" name="TextBox 4"/>
           <p:cNvSpPr txBox="1"/>
           <p:nvPr/>
         </p:nvSpPr>
         <p:spPr>
           <a:xfrm>
-            <a:off x="8335749" y="6114516"/>
+            <a:off x="8460432" y="6165304"/>
             <a:ext cx="441146" cy="400110"/>
           </a:xfrm>
           <a:prstGeom prst="rect">
@@ -4486,13 +4494,12 @@
               <a:rPr lang="ru-RU" sz="2000" b="1" dirty="0" smtClean="0"/>
               <a:t>10</a:t>
             </a:r>
-            <a:endParaRPr lang="ru-RU" sz="2000" b="1" dirty="0"/>
           </a:p>
         </p:txBody>
       </p:sp>
       <p:pic>
         <p:nvPicPr>
-          <p:cNvPr id="7" name="Рисунок 6"/>
+          <p:cNvPr id="6" name="Рисунок 5"/>
           <p:cNvPicPr/>
           <p:nvPr/>
         </p:nvPicPr>
@@ -4510,8 +4517,8 @@
         </p:blipFill>
         <p:spPr>
           <a:xfrm>
-            <a:off x="427421" y="986474"/>
-            <a:ext cx="8160786" cy="4962805"/>
+            <a:off x="421998" y="1124744"/>
+            <a:ext cx="8424936" cy="4752528"/>
           </a:xfrm>
           <a:prstGeom prst="rect">
             <a:avLst/>
@@ -4521,7 +4528,7 @@
     </p:spTree>
     <p:extLst>
       <p:ext uri="{BB962C8B-B14F-4D97-AF65-F5344CB8AC3E}">
-        <p14:creationId xmlns:p14="http://schemas.microsoft.com/office/powerpoint/2010/main" val="366698503"/>
+        <p14:creationId xmlns:p14="http://schemas.microsoft.com/office/powerpoint/2010/main" val="2901966236"/>
       </p:ext>
     </p:extLst>
   </p:cSld>
@@ -4557,21 +4564,22 @@
       </p:grpSpPr>
       <p:sp>
         <p:nvSpPr>
-          <p:cNvPr id="2" name="Прямоугольник 1"/>
-          <p:cNvSpPr/>
+          <p:cNvPr id="2" name="TextBox 1"/>
+          <p:cNvSpPr txBox="1"/>
           <p:nvPr/>
         </p:nvSpPr>
         <p:spPr>
           <a:xfrm>
-            <a:off x="2732868" y="345998"/>
+            <a:off x="2724313" y="340809"/>
             <a:ext cx="3567002" cy="369332"/>
           </a:xfrm>
           <a:prstGeom prst="rect">
             <a:avLst/>
           </a:prstGeom>
-        </p:spPr>
-        <p:txBody>
-          <a:bodyPr wrap="none">
+          <a:noFill/>
+        </p:spPr>
+        <p:txBody>
+          <a:bodyPr wrap="none" rtlCol="0">
             <a:spAutoFit/>
           </a:bodyPr>
           <a:lstStyle/>
@@ -4600,7 +4608,7 @@
         </p:nvSpPr>
         <p:spPr>
           <a:xfrm>
-            <a:off x="8307319" y="6050971"/>
+            <a:off x="8335749" y="6114516"/>
             <a:ext cx="441146" cy="400110"/>
           </a:xfrm>
           <a:prstGeom prst="rect">
@@ -4642,36 +4650,8 @@
         </p:blipFill>
         <p:spPr>
           <a:xfrm>
-            <a:off x="251520" y="2908424"/>
-            <a:ext cx="2935094" cy="3168352"/>
-          </a:xfrm>
-          <a:prstGeom prst="rect">
-            <a:avLst/>
-          </a:prstGeom>
-        </p:spPr>
-      </p:pic>
-      <p:pic>
-        <p:nvPicPr>
-          <p:cNvPr id="8" name="Рисунок 7"/>
-          <p:cNvPicPr/>
-          <p:nvPr/>
-        </p:nvPicPr>
-        <p:blipFill>
-          <a:blip r:embed="rId3">
-            <a:extLst>
-              <a:ext uri="{28A0092B-C50C-407E-A947-70E740481C1C}">
-                <a14:useLocalDpi xmlns:a14="http://schemas.microsoft.com/office/drawing/2010/main" val="0"/>
-              </a:ext>
-            </a:extLst>
-          </a:blip>
-          <a:stretch>
-            <a:fillRect/>
-          </a:stretch>
-        </p:blipFill>
-        <p:spPr>
-          <a:xfrm>
-            <a:off x="3347301" y="1340768"/>
-            <a:ext cx="5544616" cy="3168352"/>
+            <a:off x="427421" y="1196752"/>
+            <a:ext cx="8160786" cy="4752527"/>
           </a:xfrm>
           <a:prstGeom prst="rect">
             <a:avLst/>
@@ -4681,7 +4661,7 @@
     </p:spTree>
     <p:extLst>
       <p:ext uri="{BB962C8B-B14F-4D97-AF65-F5344CB8AC3E}">
-        <p14:creationId xmlns:p14="http://schemas.microsoft.com/office/powerpoint/2010/main" val="2382982673"/>
+        <p14:creationId xmlns:p14="http://schemas.microsoft.com/office/powerpoint/2010/main" val="366698503"/>
       </p:ext>
     </p:extLst>
   </p:cSld>
@@ -4723,8 +4703,8 @@
         </p:nvSpPr>
         <p:spPr>
           <a:xfrm>
-            <a:off x="2123728" y="409403"/>
-            <a:ext cx="4610558" cy="369332"/>
+            <a:off x="2732868" y="345998"/>
+            <a:ext cx="3567002" cy="369332"/>
           </a:xfrm>
           <a:prstGeom prst="rect">
             <a:avLst/>
@@ -4742,7 +4722,7 @@
                   <a:srgbClr val="FFC000"/>
                 </a:solidFill>
               </a:rPr>
-              <a:t>ВОЗМОЖНОСТИ АДМИНИСТРАТОРА</a:t>
+              <a:t>ВОЗМОЖНОСТИ СЕКРЕТАРЯ</a:t>
             </a:r>
             <a:endParaRPr lang="ru-RU" dirty="0">
               <a:solidFill>
@@ -4760,7 +4740,7 @@
         </p:nvSpPr>
         <p:spPr>
           <a:xfrm>
-            <a:off x="8283575" y="6101072"/>
+            <a:off x="8379326" y="6125234"/>
             <a:ext cx="441146" cy="400110"/>
           </a:xfrm>
           <a:prstGeom prst="rect">
@@ -4802,8 +4782,36 @@
         </p:blipFill>
         <p:spPr>
           <a:xfrm>
-            <a:off x="530600" y="1055486"/>
-            <a:ext cx="7984817" cy="5012859"/>
+            <a:off x="251520" y="2908424"/>
+            <a:ext cx="2935094" cy="3168352"/>
+          </a:xfrm>
+          <a:prstGeom prst="rect">
+            <a:avLst/>
+          </a:prstGeom>
+        </p:spPr>
+      </p:pic>
+      <p:pic>
+        <p:nvPicPr>
+          <p:cNvPr id="8" name="Рисунок 7"/>
+          <p:cNvPicPr/>
+          <p:nvPr/>
+        </p:nvPicPr>
+        <p:blipFill>
+          <a:blip r:embed="rId3">
+            <a:extLst>
+              <a:ext uri="{28A0092B-C50C-407E-A947-70E740481C1C}">
+                <a14:useLocalDpi xmlns:a14="http://schemas.microsoft.com/office/drawing/2010/main" val="0"/>
+              </a:ext>
+            </a:extLst>
+          </a:blip>
+          <a:stretch>
+            <a:fillRect/>
+          </a:stretch>
+        </p:blipFill>
+        <p:spPr>
+          <a:xfrm>
+            <a:off x="3347301" y="1340768"/>
+            <a:ext cx="5544616" cy="3168352"/>
           </a:xfrm>
           <a:prstGeom prst="rect">
             <a:avLst/>
@@ -4813,7 +4821,7 @@
     </p:spTree>
     <p:extLst>
       <p:ext uri="{BB962C8B-B14F-4D97-AF65-F5344CB8AC3E}">
-        <p14:creationId xmlns:p14="http://schemas.microsoft.com/office/powerpoint/2010/main" val="3010328706"/>
+        <p14:creationId xmlns:p14="http://schemas.microsoft.com/office/powerpoint/2010/main" val="2382982673"/>
       </p:ext>
     </p:extLst>
   </p:cSld>
@@ -4855,7 +4863,7 @@
         </p:nvSpPr>
         <p:spPr>
           <a:xfrm>
-            <a:off x="2412189" y="260648"/>
+            <a:off x="2123728" y="409403"/>
             <a:ext cx="4610558" cy="369332"/>
           </a:xfrm>
           <a:prstGeom prst="rect">
@@ -4886,13 +4894,13 @@
       </p:sp>
       <p:sp>
         <p:nvSpPr>
-          <p:cNvPr id="7" name="TextBox 6"/>
+          <p:cNvPr id="6" name="TextBox 5"/>
           <p:cNvSpPr txBox="1"/>
           <p:nvPr/>
         </p:nvSpPr>
         <p:spPr>
           <a:xfrm>
-            <a:off x="8288850" y="6025842"/>
+            <a:off x="8307318" y="6197242"/>
             <a:ext cx="441146" cy="400110"/>
           </a:xfrm>
           <a:prstGeom prst="rect">
@@ -4916,7 +4924,7 @@
       </p:sp>
       <p:pic>
         <p:nvPicPr>
-          <p:cNvPr id="8" name="Рисунок 7"/>
+          <p:cNvPr id="7" name="Рисунок 6"/>
           <p:cNvPicPr/>
           <p:nvPr/>
         </p:nvPicPr>
@@ -4934,141 +4942,18 @@
         </p:blipFill>
         <p:spPr>
           <a:xfrm>
-            <a:off x="5655108" y="1321335"/>
-            <a:ext cx="3183251" cy="1800033"/>
-          </a:xfrm>
-          <a:prstGeom prst="rect">
-            <a:avLst/>
-          </a:prstGeom>
-        </p:spPr>
-      </p:pic>
-      <p:pic>
-        <p:nvPicPr>
-          <p:cNvPr id="1026" name="Picture 2" descr="C:\Users\maxi0\Desktop\Безымянный21.png"/>
-          <p:cNvPicPr>
-            <a:picLocks noChangeAspect="1" noChangeArrowheads="1"/>
-          </p:cNvPicPr>
-          <p:nvPr/>
-        </p:nvPicPr>
-        <p:blipFill>
-          <a:blip r:embed="rId3">
-            <a:extLst>
-              <a:ext uri="{28A0092B-C50C-407E-A947-70E740481C1C}">
-                <a14:useLocalDpi xmlns:a14="http://schemas.microsoft.com/office/drawing/2010/main" val="0"/>
-              </a:ext>
-            </a:extLst>
-          </a:blip>
-          <a:srcRect/>
-          <a:stretch>
-            <a:fillRect/>
-          </a:stretch>
-        </p:blipFill>
-        <p:spPr bwMode="auto">
-          <a:xfrm>
-            <a:off x="335014" y="3984753"/>
-            <a:ext cx="3437624" cy="2041089"/>
-          </a:xfrm>
-          <a:prstGeom prst="rect">
-            <a:avLst/>
-          </a:prstGeom>
-          <a:noFill/>
-          <a:extLst>
-            <a:ext uri="{909E8E84-426E-40DD-AFC4-6F175D3DCCD1}">
-              <a14:hiddenFill xmlns:a14="http://schemas.microsoft.com/office/drawing/2010/main">
-                <a:solidFill>
-                  <a:srgbClr val="FFFFFF"/>
-                </a:solidFill>
-              </a14:hiddenFill>
-            </a:ext>
-          </a:extLst>
-        </p:spPr>
-      </p:pic>
-      <p:pic>
-        <p:nvPicPr>
-          <p:cNvPr id="1027" name="Picture 3" descr="C:\Users\maxi0\Desktop\Безымянный22.png"/>
-          <p:cNvPicPr>
-            <a:picLocks noChangeAspect="1" noChangeArrowheads="1"/>
-          </p:cNvPicPr>
-          <p:nvPr/>
-        </p:nvPicPr>
-        <p:blipFill>
-          <a:blip r:embed="rId4">
-            <a:extLst>
-              <a:ext uri="{28A0092B-C50C-407E-A947-70E740481C1C}">
-                <a14:useLocalDpi xmlns:a14="http://schemas.microsoft.com/office/drawing/2010/main" val="0"/>
-              </a:ext>
-            </a:extLst>
-          </a:blip>
-          <a:srcRect/>
-          <a:stretch>
-            <a:fillRect/>
-          </a:stretch>
-        </p:blipFill>
-        <p:spPr bwMode="auto">
-          <a:xfrm>
-            <a:off x="3995936" y="3751633"/>
-            <a:ext cx="4160198" cy="1905434"/>
-          </a:xfrm>
-          <a:prstGeom prst="rect">
-            <a:avLst/>
-          </a:prstGeom>
-          <a:noFill/>
-          <a:extLst>
-            <a:ext uri="{909E8E84-426E-40DD-AFC4-6F175D3DCCD1}">
-              <a14:hiddenFill xmlns:a14="http://schemas.microsoft.com/office/drawing/2010/main">
-                <a:solidFill>
-                  <a:srgbClr val="FFFFFF"/>
-                </a:solidFill>
-              </a14:hiddenFill>
-            </a:ext>
-          </a:extLst>
-        </p:spPr>
-      </p:pic>
-      <p:pic>
-        <p:nvPicPr>
-          <p:cNvPr id="1028" name="Picture 4" descr="C:\Users\maxi0\Desktop\Безымянный33.png"/>
-          <p:cNvPicPr>
-            <a:picLocks noChangeAspect="1" noChangeArrowheads="1"/>
-          </p:cNvPicPr>
-          <p:nvPr/>
-        </p:nvPicPr>
-        <p:blipFill>
-          <a:blip r:embed="rId5">
-            <a:extLst>
-              <a:ext uri="{28A0092B-C50C-407E-A947-70E740481C1C}">
-                <a14:useLocalDpi xmlns:a14="http://schemas.microsoft.com/office/drawing/2010/main" val="0"/>
-              </a:ext>
-            </a:extLst>
-          </a:blip>
-          <a:srcRect/>
-          <a:stretch>
-            <a:fillRect/>
-          </a:stretch>
-        </p:blipFill>
-        <p:spPr bwMode="auto">
-          <a:xfrm>
-            <a:off x="87410" y="1044319"/>
-            <a:ext cx="5450431" cy="2354063"/>
-          </a:xfrm>
-          <a:prstGeom prst="rect">
-            <a:avLst/>
-          </a:prstGeom>
-          <a:noFill/>
-          <a:extLst>
-            <a:ext uri="{909E8E84-426E-40DD-AFC4-6F175D3DCCD1}">
-              <a14:hiddenFill xmlns:a14="http://schemas.microsoft.com/office/drawing/2010/main">
-                <a:solidFill>
-                  <a:srgbClr val="FFFFFF"/>
-                </a:solidFill>
-              </a14:hiddenFill>
-            </a:ext>
-          </a:extLst>
+            <a:off x="530600" y="1196753"/>
+            <a:ext cx="7984817" cy="4752528"/>
+          </a:xfrm>
+          <a:prstGeom prst="rect">
+            <a:avLst/>
+          </a:prstGeom>
         </p:spPr>
       </p:pic>
     </p:spTree>
     <p:extLst>
       <p:ext uri="{BB962C8B-B14F-4D97-AF65-F5344CB8AC3E}">
-        <p14:creationId xmlns:p14="http://schemas.microsoft.com/office/powerpoint/2010/main" val="3300310549"/>
+        <p14:creationId xmlns:p14="http://schemas.microsoft.com/office/powerpoint/2010/main" val="3010328706"/>
       </p:ext>
     </p:extLst>
   </p:cSld>
@@ -5110,6 +4995,394 @@
         </p:nvSpPr>
         <p:spPr>
           <a:xfrm>
+            <a:off x="2412189" y="260648"/>
+            <a:ext cx="4610558" cy="369332"/>
+          </a:xfrm>
+          <a:prstGeom prst="rect">
+            <a:avLst/>
+          </a:prstGeom>
+        </p:spPr>
+        <p:txBody>
+          <a:bodyPr wrap="none">
+            <a:spAutoFit/>
+          </a:bodyPr>
+          <a:lstStyle/>
+          <a:p>
+            <a:r>
+              <a:rPr lang="ru-RU" dirty="0" smtClean="0">
+                <a:solidFill>
+                  <a:srgbClr val="FFC000"/>
+                </a:solidFill>
+              </a:rPr>
+              <a:t>ВОЗМОЖНОСТИ АДМИНИСТРАТОРА</a:t>
+            </a:r>
+            <a:endParaRPr lang="ru-RU" dirty="0">
+              <a:solidFill>
+                <a:srgbClr val="FFC000"/>
+              </a:solidFill>
+            </a:endParaRPr>
+          </a:p>
+        </p:txBody>
+      </p:sp>
+      <p:sp>
+        <p:nvSpPr>
+          <p:cNvPr id="7" name="TextBox 6"/>
+          <p:cNvSpPr txBox="1"/>
+          <p:nvPr/>
+        </p:nvSpPr>
+        <p:spPr>
+          <a:xfrm>
+            <a:off x="8307318" y="6125234"/>
+            <a:ext cx="441146" cy="400110"/>
+          </a:xfrm>
+          <a:prstGeom prst="rect">
+            <a:avLst/>
+          </a:prstGeom>
+          <a:noFill/>
+        </p:spPr>
+        <p:txBody>
+          <a:bodyPr wrap="none" rtlCol="0">
+            <a:spAutoFit/>
+          </a:bodyPr>
+          <a:lstStyle/>
+          <a:p>
+            <a:r>
+              <a:rPr lang="ru-RU" sz="2000" b="1" dirty="0" smtClean="0"/>
+              <a:t>14</a:t>
+            </a:r>
+            <a:endParaRPr lang="ru-RU" sz="2000" b="1" dirty="0"/>
+          </a:p>
+        </p:txBody>
+      </p:sp>
+      <p:pic>
+        <p:nvPicPr>
+          <p:cNvPr id="8" name="Рисунок 7"/>
+          <p:cNvPicPr/>
+          <p:nvPr/>
+        </p:nvPicPr>
+        <p:blipFill>
+          <a:blip r:embed="rId2">
+            <a:extLst>
+              <a:ext uri="{28A0092B-C50C-407E-A947-70E740481C1C}">
+                <a14:useLocalDpi xmlns:a14="http://schemas.microsoft.com/office/drawing/2010/main" val="0"/>
+              </a:ext>
+            </a:extLst>
+          </a:blip>
+          <a:stretch>
+            <a:fillRect/>
+          </a:stretch>
+        </p:blipFill>
+        <p:spPr>
+          <a:xfrm>
+            <a:off x="5655108" y="1321335"/>
+            <a:ext cx="3183251" cy="1800033"/>
+          </a:xfrm>
+          <a:prstGeom prst="rect">
+            <a:avLst/>
+          </a:prstGeom>
+        </p:spPr>
+      </p:pic>
+      <p:pic>
+        <p:nvPicPr>
+          <p:cNvPr id="1026" name="Picture 2" descr="C:\Users\maxi0\Desktop\Безымянный21.png"/>
+          <p:cNvPicPr>
+            <a:picLocks noChangeAspect="1" noChangeArrowheads="1"/>
+          </p:cNvPicPr>
+          <p:nvPr/>
+        </p:nvPicPr>
+        <p:blipFill>
+          <a:blip r:embed="rId3">
+            <a:extLst>
+              <a:ext uri="{28A0092B-C50C-407E-A947-70E740481C1C}">
+                <a14:useLocalDpi xmlns:a14="http://schemas.microsoft.com/office/drawing/2010/main" val="0"/>
+              </a:ext>
+            </a:extLst>
+          </a:blip>
+          <a:srcRect/>
+          <a:stretch>
+            <a:fillRect/>
+          </a:stretch>
+        </p:blipFill>
+        <p:spPr bwMode="auto">
+          <a:xfrm>
+            <a:off x="335014" y="3984753"/>
+            <a:ext cx="3437624" cy="2041089"/>
+          </a:xfrm>
+          <a:prstGeom prst="rect">
+            <a:avLst/>
+          </a:prstGeom>
+          <a:noFill/>
+          <a:extLst>
+            <a:ext uri="{909E8E84-426E-40DD-AFC4-6F175D3DCCD1}">
+              <a14:hiddenFill xmlns:a14="http://schemas.microsoft.com/office/drawing/2010/main">
+                <a:solidFill>
+                  <a:srgbClr val="FFFFFF"/>
+                </a:solidFill>
+              </a14:hiddenFill>
+            </a:ext>
+          </a:extLst>
+        </p:spPr>
+      </p:pic>
+      <p:pic>
+        <p:nvPicPr>
+          <p:cNvPr id="1027" name="Picture 3" descr="C:\Users\maxi0\Desktop\Безымянный22.png"/>
+          <p:cNvPicPr>
+            <a:picLocks noChangeAspect="1" noChangeArrowheads="1"/>
+          </p:cNvPicPr>
+          <p:nvPr/>
+        </p:nvPicPr>
+        <p:blipFill>
+          <a:blip r:embed="rId4">
+            <a:extLst>
+              <a:ext uri="{28A0092B-C50C-407E-A947-70E740481C1C}">
+                <a14:useLocalDpi xmlns:a14="http://schemas.microsoft.com/office/drawing/2010/main" val="0"/>
+              </a:ext>
+            </a:extLst>
+          </a:blip>
+          <a:srcRect/>
+          <a:stretch>
+            <a:fillRect/>
+          </a:stretch>
+        </p:blipFill>
+        <p:spPr bwMode="auto">
+          <a:xfrm>
+            <a:off x="3995936" y="3751633"/>
+            <a:ext cx="4160198" cy="1905434"/>
+          </a:xfrm>
+          <a:prstGeom prst="rect">
+            <a:avLst/>
+          </a:prstGeom>
+          <a:noFill/>
+          <a:extLst>
+            <a:ext uri="{909E8E84-426E-40DD-AFC4-6F175D3DCCD1}">
+              <a14:hiddenFill xmlns:a14="http://schemas.microsoft.com/office/drawing/2010/main">
+                <a:solidFill>
+                  <a:srgbClr val="FFFFFF"/>
+                </a:solidFill>
+              </a14:hiddenFill>
+            </a:ext>
+          </a:extLst>
+        </p:spPr>
+      </p:pic>
+      <p:pic>
+        <p:nvPicPr>
+          <p:cNvPr id="1028" name="Picture 4" descr="C:\Users\maxi0\Desktop\Безымянный33.png"/>
+          <p:cNvPicPr>
+            <a:picLocks noChangeAspect="1" noChangeArrowheads="1"/>
+          </p:cNvPicPr>
+          <p:nvPr/>
+        </p:nvPicPr>
+        <p:blipFill>
+          <a:blip r:embed="rId5">
+            <a:extLst>
+              <a:ext uri="{28A0092B-C50C-407E-A947-70E740481C1C}">
+                <a14:useLocalDpi xmlns:a14="http://schemas.microsoft.com/office/drawing/2010/main" val="0"/>
+              </a:ext>
+            </a:extLst>
+          </a:blip>
+          <a:srcRect/>
+          <a:stretch>
+            <a:fillRect/>
+          </a:stretch>
+        </p:blipFill>
+        <p:spPr bwMode="auto">
+          <a:xfrm>
+            <a:off x="87410" y="1044319"/>
+            <a:ext cx="5450431" cy="2354063"/>
+          </a:xfrm>
+          <a:prstGeom prst="rect">
+            <a:avLst/>
+          </a:prstGeom>
+          <a:noFill/>
+          <a:extLst>
+            <a:ext uri="{909E8E84-426E-40DD-AFC4-6F175D3DCCD1}">
+              <a14:hiddenFill xmlns:a14="http://schemas.microsoft.com/office/drawing/2010/main">
+                <a:solidFill>
+                  <a:srgbClr val="FFFFFF"/>
+                </a:solidFill>
+              </a14:hiddenFill>
+            </a:ext>
+          </a:extLst>
+        </p:spPr>
+      </p:pic>
+    </p:spTree>
+    <p:extLst>
+      <p:ext uri="{BB962C8B-B14F-4D97-AF65-F5344CB8AC3E}">
+        <p14:creationId xmlns:p14="http://schemas.microsoft.com/office/powerpoint/2010/main" val="3300310549"/>
+      </p:ext>
+    </p:extLst>
+  </p:cSld>
+  <p:clrMapOvr>
+    <a:masterClrMapping/>
+  </p:clrMapOvr>
+  <p:timing>
+    <p:tnLst>
+      <p:par>
+        <p:cTn id="1" dur="indefinite" restart="never" nodeType="tmRoot"/>
+      </p:par>
+    </p:tnLst>
+  </p:timing>
+</p:sld>
+</file>
+
+<file path=ppt/slides/slide15.xml><?xml version="1.0" encoding="utf-8"?>
+<p:sld xmlns:a="http://schemas.openxmlformats.org/drawingml/2006/main" xmlns:r="http://schemas.openxmlformats.org/officeDocument/2006/relationships" xmlns:p="http://schemas.openxmlformats.org/presentationml/2006/main">
+  <p:cSld>
+    <p:spTree>
+      <p:nvGrpSpPr>
+        <p:cNvPr id="1" name=""/>
+        <p:cNvGrpSpPr/>
+        <p:nvPr/>
+      </p:nvGrpSpPr>
+      <p:grpSpPr>
+        <a:xfrm>
+          <a:off x="0" y="0"/>
+          <a:ext cx="0" cy="0"/>
+          <a:chOff x="0" y="0"/>
+          <a:chExt cx="0" cy="0"/>
+        </a:xfrm>
+      </p:grpSpPr>
+      <p:sp>
+        <p:nvSpPr>
+          <p:cNvPr id="2" name="Прямоугольник 1"/>
+          <p:cNvSpPr/>
+          <p:nvPr/>
+        </p:nvSpPr>
+        <p:spPr>
+          <a:xfrm>
+            <a:off x="8316416" y="6165304"/>
+            <a:ext cx="441146" cy="400110"/>
+          </a:xfrm>
+          <a:prstGeom prst="rect">
+            <a:avLst/>
+          </a:prstGeom>
+        </p:spPr>
+        <p:txBody>
+          <a:bodyPr wrap="none">
+            <a:spAutoFit/>
+          </a:bodyPr>
+          <a:lstStyle/>
+          <a:p>
+            <a:r>
+              <a:rPr lang="ru-RU" sz="2000" b="1" dirty="0" smtClean="0"/>
+              <a:t>15</a:t>
+            </a:r>
+            <a:endParaRPr lang="ru-RU" sz="2000" b="1" dirty="0"/>
+          </a:p>
+        </p:txBody>
+      </p:sp>
+      <p:pic>
+        <p:nvPicPr>
+          <p:cNvPr id="3" name="Рисунок 2"/>
+          <p:cNvPicPr>
+            <a:picLocks noChangeAspect="1"/>
+          </p:cNvPicPr>
+          <p:nvPr/>
+        </p:nvPicPr>
+        <p:blipFill>
+          <a:blip r:embed="rId2">
+            <a:extLst>
+              <a:ext uri="{28A0092B-C50C-407E-A947-70E740481C1C}">
+                <a14:useLocalDpi xmlns:a14="http://schemas.microsoft.com/office/drawing/2010/main" val="0"/>
+              </a:ext>
+            </a:extLst>
+          </a:blip>
+          <a:stretch>
+            <a:fillRect/>
+          </a:stretch>
+        </p:blipFill>
+        <p:spPr>
+          <a:xfrm>
+            <a:off x="627689" y="1070673"/>
+            <a:ext cx="7900847" cy="4806599"/>
+          </a:xfrm>
+          <a:prstGeom prst="rect">
+            <a:avLst/>
+          </a:prstGeom>
+        </p:spPr>
+      </p:pic>
+      <p:sp>
+        <p:nvSpPr>
+          <p:cNvPr id="4" name="Прямоугольник 3"/>
+          <p:cNvSpPr/>
+          <p:nvPr/>
+        </p:nvSpPr>
+        <p:spPr>
+          <a:xfrm>
+            <a:off x="1682928" y="332656"/>
+            <a:ext cx="5790368" cy="369332"/>
+          </a:xfrm>
+          <a:prstGeom prst="rect">
+            <a:avLst/>
+          </a:prstGeom>
+        </p:spPr>
+        <p:txBody>
+          <a:bodyPr wrap="none">
+            <a:spAutoFit/>
+          </a:bodyPr>
+          <a:lstStyle/>
+          <a:p>
+            <a:r>
+              <a:rPr lang="ru-RU" dirty="0" smtClean="0">
+                <a:solidFill>
+                  <a:srgbClr val="FFC000"/>
+                </a:solidFill>
+              </a:rPr>
+              <a:t>ПРИМЕР РЕАЛИЗАЦИИ ЗАПОЛНЕНИЯ ЗАЯВКИ</a:t>
+            </a:r>
+            <a:endParaRPr lang="ru-RU" dirty="0">
+              <a:solidFill>
+                <a:srgbClr val="FFC000"/>
+              </a:solidFill>
+            </a:endParaRPr>
+          </a:p>
+        </p:txBody>
+      </p:sp>
+    </p:spTree>
+    <p:extLst>
+      <p:ext uri="{BB962C8B-B14F-4D97-AF65-F5344CB8AC3E}">
+        <p14:creationId xmlns:p14="http://schemas.microsoft.com/office/powerpoint/2010/main" val="3585055933"/>
+      </p:ext>
+    </p:extLst>
+  </p:cSld>
+  <p:clrMapOvr>
+    <a:masterClrMapping/>
+  </p:clrMapOvr>
+  <p:timing>
+    <p:tnLst>
+      <p:par>
+        <p:cTn id="1" dur="indefinite" restart="never" nodeType="tmRoot"/>
+      </p:par>
+    </p:tnLst>
+  </p:timing>
+</p:sld>
+</file>
+
+<file path=ppt/slides/slide16.xml><?xml version="1.0" encoding="utf-8"?>
+<p:sld xmlns:a="http://schemas.openxmlformats.org/drawingml/2006/main" xmlns:r="http://schemas.openxmlformats.org/officeDocument/2006/relationships" xmlns:p="http://schemas.openxmlformats.org/presentationml/2006/main">
+  <p:cSld>
+    <p:spTree>
+      <p:nvGrpSpPr>
+        <p:cNvPr id="1" name=""/>
+        <p:cNvGrpSpPr/>
+        <p:nvPr/>
+      </p:nvGrpSpPr>
+      <p:grpSpPr>
+        <a:xfrm>
+          <a:off x="0" y="0"/>
+          <a:ext cx="0" cy="0"/>
+          <a:chOff x="0" y="0"/>
+          <a:chExt cx="0" cy="0"/>
+        </a:xfrm>
+      </p:grpSpPr>
+      <p:sp>
+        <p:nvSpPr>
+          <p:cNvPr id="2" name="Прямоугольник 1"/>
+          <p:cNvSpPr/>
+          <p:nvPr/>
+        </p:nvSpPr>
+        <p:spPr>
+          <a:xfrm>
             <a:off x="3635896" y="476672"/>
             <a:ext cx="1933543" cy="369332"/>
           </a:xfrm>
@@ -5233,7 +5506,7 @@
           <a:p>
             <a:r>
               <a:rPr lang="ru-RU" sz="2000" b="1" dirty="0" smtClean="0"/>
-              <a:t>14</a:t>
+              <a:t>16</a:t>
             </a:r>
             <a:endParaRPr lang="ru-RU" sz="2000" b="1" dirty="0"/>
           </a:p>
@@ -5284,8 +5557,8 @@
         </p:nvSpPr>
         <p:spPr>
           <a:xfrm>
-            <a:off x="2051719" y="1232301"/>
-            <a:ext cx="5992041" cy="1152129"/>
+            <a:off x="657285" y="1232301"/>
+            <a:ext cx="8106622" cy="1152129"/>
           </a:xfrm>
           <a:prstGeom prst="rect">
             <a:avLst/>
@@ -5375,7 +5648,7 @@
         </p:nvSpPr>
         <p:spPr>
           <a:xfrm>
-            <a:off x="623043" y="2511334"/>
+            <a:off x="616015" y="2658456"/>
             <a:ext cx="2321469" cy="369332"/>
           </a:xfrm>
           <a:prstGeom prst="rect">
@@ -5413,8 +5686,8 @@
         </p:nvSpPr>
         <p:spPr>
           <a:xfrm>
-            <a:off x="2306512" y="1250365"/>
-            <a:ext cx="5545876" cy="880947"/>
+            <a:off x="827584" y="1250365"/>
+            <a:ext cx="7936323" cy="923330"/>
           </a:xfrm>
           <a:prstGeom prst="rect">
             <a:avLst/>
@@ -5433,20 +5706,8 @@
               </a:lnSpc>
             </a:pPr>
             <a:r>
-              <a:rPr lang="ru-RU" dirty="0"/>
-              <a:t>С</a:t>
-            </a:r>
-            <a:r>
               <a:rPr lang="ru-RU" dirty="0" smtClean="0"/>
-              <a:t>оздание </a:t>
-            </a:r>
-            <a:r>
-              <a:rPr lang="ru-RU" dirty="0"/>
-              <a:t>прототипа информационной системы  для работы риэлтерского </a:t>
-            </a:r>
-            <a:r>
-              <a:rPr lang="ru-RU" dirty="0" smtClean="0"/>
-              <a:t>агентства.</a:t>
+              <a:t>Формирование и поддержка работы внутренней базы данных риэлтерского агентства, а также повышение производительности труда</a:t>
             </a:r>
             <a:endParaRPr lang="ru-RU" dirty="0"/>
           </a:p>
@@ -5883,7 +6144,7 @@
         </p:nvSpPr>
         <p:spPr>
           <a:xfrm>
-            <a:off x="8485693" y="6093296"/>
+            <a:off x="8532440" y="6197242"/>
             <a:ext cx="312906" cy="400110"/>
           </a:xfrm>
           <a:prstGeom prst="rect">
@@ -5901,7 +6162,6 @@
               <a:rPr lang="ru-RU" sz="2000" b="1" dirty="0"/>
               <a:t>4</a:t>
             </a:r>
-            <a:endParaRPr lang="ru-RU" sz="2000" b="1" dirty="0"/>
           </a:p>
         </p:txBody>
       </p:sp>
@@ -6256,7 +6516,6 @@
               <a:rPr lang="ru-RU" sz="2000" b="1" dirty="0"/>
               <a:t>5</a:t>
             </a:r>
-            <a:endParaRPr lang="ru-RU" sz="2000" b="1" dirty="0"/>
           </a:p>
         </p:txBody>
       </p:sp>
@@ -6343,7 +6602,7 @@
         </p:nvSpPr>
         <p:spPr>
           <a:xfrm>
-            <a:off x="8532440" y="6081477"/>
+            <a:off x="8532440" y="6165304"/>
             <a:ext cx="312906" cy="400110"/>
           </a:xfrm>
           <a:prstGeom prst="rect">
@@ -6432,22 +6691,21 @@
       </p:grpSpPr>
       <p:sp>
         <p:nvSpPr>
-          <p:cNvPr id="2" name="TextBox 1"/>
-          <p:cNvSpPr txBox="1"/>
+          <p:cNvPr id="2" name="Прямоугольник 1"/>
+          <p:cNvSpPr/>
           <p:nvPr/>
         </p:nvSpPr>
         <p:spPr>
           <a:xfrm>
-            <a:off x="8537459" y="6078486"/>
+            <a:off x="8507566" y="6197242"/>
             <a:ext cx="312906" cy="400110"/>
           </a:xfrm>
           <a:prstGeom prst="rect">
             <a:avLst/>
           </a:prstGeom>
-          <a:noFill/>
-        </p:spPr>
-        <p:txBody>
-          <a:bodyPr wrap="none" rtlCol="0">
+        </p:spPr>
+        <p:txBody>
+          <a:bodyPr wrap="none">
             <a:spAutoFit/>
           </a:bodyPr>
           <a:lstStyle/>
@@ -6456,28 +6714,26 @@
               <a:rPr lang="ru-RU" sz="2000" b="1" dirty="0" smtClean="0"/>
               <a:t>7</a:t>
             </a:r>
-            <a:endParaRPr lang="ru-RU" sz="2000" b="1" dirty="0"/>
-          </a:p>
-        </p:txBody>
-      </p:sp>
-      <p:sp>
-        <p:nvSpPr>
-          <p:cNvPr id="6" name="TextBox 5"/>
-          <p:cNvSpPr txBox="1"/>
+          </a:p>
+        </p:txBody>
+      </p:sp>
+      <p:sp>
+        <p:nvSpPr>
+          <p:cNvPr id="3" name="Прямоугольник 2"/>
+          <p:cNvSpPr/>
           <p:nvPr/>
         </p:nvSpPr>
         <p:spPr>
           <a:xfrm>
-            <a:off x="3167144" y="251356"/>
-            <a:ext cx="2710999" cy="369332"/>
-          </a:xfrm>
-          <a:prstGeom prst="rect">
-            <a:avLst/>
-          </a:prstGeom>
-          <a:noFill/>
-        </p:spPr>
-        <p:txBody>
-          <a:bodyPr wrap="none" rtlCol="0">
+            <a:off x="2934072" y="594069"/>
+            <a:ext cx="3438128" cy="369332"/>
+          </a:xfrm>
+          <a:prstGeom prst="rect">
+            <a:avLst/>
+          </a:prstGeom>
+        </p:spPr>
+        <p:txBody>
+          <a:bodyPr wrap="square">
             <a:spAutoFit/>
           </a:bodyPr>
           <a:lstStyle/>
@@ -6488,19 +6744,100 @@
                   <a:srgbClr val="FFC000"/>
                 </a:solidFill>
               </a:rPr>
-              <a:t>КЛИЕНТСКАЯ ЧАСТЬ</a:t>
-            </a:r>
+              <a:t>СРЕДСТВА РЕАЛИЗАЦИИ</a:t>
+            </a:r>
+            <a:endParaRPr lang="ru-RU" dirty="0">
+              <a:solidFill>
+                <a:srgbClr val="FFC000"/>
+              </a:solidFill>
+            </a:endParaRPr>
+          </a:p>
+        </p:txBody>
+      </p:sp>
+      <p:sp>
+        <p:nvSpPr>
+          <p:cNvPr id="4" name="Прямоугольник 3"/>
+          <p:cNvSpPr/>
+          <p:nvPr/>
+        </p:nvSpPr>
+        <p:spPr>
+          <a:xfrm>
+            <a:off x="1601924" y="1700808"/>
+            <a:ext cx="6102424" cy="1477328"/>
+          </a:xfrm>
+          <a:prstGeom prst="rect">
+            <a:avLst/>
+          </a:prstGeom>
+        </p:spPr>
+        <p:txBody>
+          <a:bodyPr wrap="square">
+            <a:spAutoFit/>
+          </a:bodyPr>
+          <a:lstStyle/>
+          <a:p>
+            <a:pPr algn="ctr"/>
+            <a:r>
+              <a:rPr lang="ru-RU" dirty="0" smtClean="0"/>
+              <a:t>Для реализации информационной системы «Риэлтерское </a:t>
+            </a:r>
+            <a:r>
+              <a:rPr lang="ru-RU" dirty="0"/>
+              <a:t>агентство</a:t>
+            </a:r>
+            <a:r>
+              <a:rPr lang="ru-RU" dirty="0" smtClean="0"/>
+              <a:t>» были выбраны такие программные средства разработки как </a:t>
+            </a:r>
+            <a:r>
+              <a:rPr lang="en-US" dirty="0" err="1" smtClean="0"/>
+              <a:t>PostgreSQL</a:t>
+            </a:r>
+            <a:r>
+              <a:rPr lang="en-US" dirty="0" smtClean="0"/>
+              <a:t> </a:t>
+            </a:r>
+            <a:r>
+              <a:rPr lang="ru-RU" dirty="0" smtClean="0"/>
+              <a:t>, </a:t>
+            </a:r>
+            <a:r>
+              <a:rPr lang="en-US" dirty="0" smtClean="0"/>
+              <a:t>Visual Studio</a:t>
+            </a:r>
+            <a:r>
+              <a:rPr lang="ru-RU" dirty="0" smtClean="0"/>
+              <a:t> и язык программирования </a:t>
+            </a:r>
+            <a:r>
+              <a:rPr lang="en-US" dirty="0" smtClean="0"/>
+              <a:t>C#</a:t>
+            </a:r>
+            <a:r>
+              <a:rPr lang="ru-RU" dirty="0" smtClean="0"/>
+              <a:t>.</a:t>
+            </a:r>
+            <a:endParaRPr lang="ru-RU" dirty="0"/>
+          </a:p>
+          <a:p>
+            <a:pPr algn="ctr"/>
+            <a:r>
+              <a:rPr lang="ru-RU" dirty="0" smtClean="0"/>
+              <a:t> </a:t>
+            </a:r>
+            <a:endParaRPr lang="ru-RU" dirty="0"/>
           </a:p>
         </p:txBody>
       </p:sp>
       <p:pic>
         <p:nvPicPr>
-          <p:cNvPr id="7" name="Рисунок 6"/>
-          <p:cNvPicPr/>
+          <p:cNvPr id="5" name="Рисунок 4"/>
+          <p:cNvPicPr>
+            <a:picLocks noChangeAspect="1"/>
+          </p:cNvPicPr>
           <p:nvPr/>
         </p:nvPicPr>
         <p:blipFill>
-          <a:blip r:embed="rId2">
+          <a:blip r:embed="rId2" cstate="print">
             <a:extLst>
               <a:ext uri="{28A0092B-C50C-407E-A947-70E740481C1C}">
                 <a14:useLocalDpi xmlns:a14="http://schemas.microsoft.com/office/drawing/2010/main" val="0"/>
@@ -6513,8 +6850,68 @@
         </p:blipFill>
         <p:spPr>
           <a:xfrm>
-            <a:off x="450303" y="932315"/>
-            <a:ext cx="8400062" cy="5145856"/>
+            <a:off x="899592" y="3454859"/>
+            <a:ext cx="2451173" cy="2725300"/>
+          </a:xfrm>
+          <a:prstGeom prst="rect">
+            <a:avLst/>
+          </a:prstGeom>
+        </p:spPr>
+      </p:pic>
+      <p:pic>
+        <p:nvPicPr>
+          <p:cNvPr id="6" name="Рисунок 5"/>
+          <p:cNvPicPr>
+            <a:picLocks noChangeAspect="1"/>
+          </p:cNvPicPr>
+          <p:nvPr/>
+        </p:nvPicPr>
+        <p:blipFill>
+          <a:blip r:embed="rId3">
+            <a:extLst>
+              <a:ext uri="{28A0092B-C50C-407E-A947-70E740481C1C}">
+                <a14:useLocalDpi xmlns:a14="http://schemas.microsoft.com/office/drawing/2010/main" val="0"/>
+              </a:ext>
+            </a:extLst>
+          </a:blip>
+          <a:stretch>
+            <a:fillRect/>
+          </a:stretch>
+        </p:blipFill>
+        <p:spPr>
+          <a:xfrm>
+            <a:off x="3350765" y="3284984"/>
+            <a:ext cx="2654765" cy="2654765"/>
+          </a:xfrm>
+          <a:prstGeom prst="rect">
+            <a:avLst/>
+          </a:prstGeom>
+        </p:spPr>
+      </p:pic>
+      <p:pic>
+        <p:nvPicPr>
+          <p:cNvPr id="7" name="Рисунок 6"/>
+          <p:cNvPicPr>
+            <a:picLocks noChangeAspect="1"/>
+          </p:cNvPicPr>
+          <p:nvPr/>
+        </p:nvPicPr>
+        <p:blipFill>
+          <a:blip r:embed="rId4" cstate="print">
+            <a:extLst>
+              <a:ext uri="{28A0092B-C50C-407E-A947-70E740481C1C}">
+                <a14:useLocalDpi xmlns:a14="http://schemas.microsoft.com/office/drawing/2010/main" val="0"/>
+              </a:ext>
+            </a:extLst>
+          </a:blip>
+          <a:stretch>
+            <a:fillRect/>
+          </a:stretch>
+        </p:blipFill>
+        <p:spPr>
+          <a:xfrm>
+            <a:off x="6365304" y="3471942"/>
+            <a:ext cx="1996512" cy="2306183"/>
           </a:xfrm>
           <a:prstGeom prst="rect">
             <a:avLst/>
@@ -6524,7 +6921,7 @@
     </p:spTree>
     <p:extLst>
       <p:ext uri="{BB962C8B-B14F-4D97-AF65-F5344CB8AC3E}">
-        <p14:creationId xmlns:p14="http://schemas.microsoft.com/office/powerpoint/2010/main" val="15878700"/>
+        <p14:creationId xmlns:p14="http://schemas.microsoft.com/office/powerpoint/2010/main" val="3525797293"/>
       </p:ext>
     </p:extLst>
   </p:cSld>
@@ -6566,7 +6963,37 @@
         </p:nvSpPr>
         <p:spPr>
           <a:xfrm>
-            <a:off x="3300790" y="431957"/>
+            <a:off x="8460432" y="6125234"/>
+            <a:ext cx="312906" cy="400110"/>
+          </a:xfrm>
+          <a:prstGeom prst="rect">
+            <a:avLst/>
+          </a:prstGeom>
+          <a:noFill/>
+        </p:spPr>
+        <p:txBody>
+          <a:bodyPr wrap="none" rtlCol="0">
+            <a:spAutoFit/>
+          </a:bodyPr>
+          <a:lstStyle/>
+          <a:p>
+            <a:r>
+              <a:rPr lang="ru-RU" sz="2000" b="1" dirty="0"/>
+              <a:t>8</a:t>
+            </a:r>
+            <a:endParaRPr lang="ru-RU" sz="2000" b="1" dirty="0"/>
+          </a:p>
+        </p:txBody>
+      </p:sp>
+      <p:sp>
+        <p:nvSpPr>
+          <p:cNvPr id="6" name="TextBox 5"/>
+          <p:cNvSpPr txBox="1"/>
+          <p:nvPr/>
+        </p:nvSpPr>
+        <p:spPr>
+          <a:xfrm>
+            <a:off x="3167144" y="251356"/>
             <a:ext cx="2710999" cy="369332"/>
           </a:xfrm>
           <a:prstGeom prst="rect">
@@ -6588,41 +7015,6 @@
               </a:rPr>
               <a:t>КЛИЕНТСКАЯ ЧАСТЬ</a:t>
             </a:r>
-            <a:endParaRPr lang="ru-RU" dirty="0">
-              <a:solidFill>
-                <a:srgbClr val="FFC000"/>
-              </a:solidFill>
-            </a:endParaRPr>
-          </a:p>
-        </p:txBody>
-      </p:sp>
-      <p:sp>
-        <p:nvSpPr>
-          <p:cNvPr id="4" name="TextBox 3"/>
-          <p:cNvSpPr txBox="1"/>
-          <p:nvPr/>
-        </p:nvSpPr>
-        <p:spPr>
-          <a:xfrm>
-            <a:off x="8469507" y="6165304"/>
-            <a:ext cx="312906" cy="400110"/>
-          </a:xfrm>
-          <a:prstGeom prst="rect">
-            <a:avLst/>
-          </a:prstGeom>
-          <a:noFill/>
-        </p:spPr>
-        <p:txBody>
-          <a:bodyPr wrap="none" rtlCol="0">
-            <a:spAutoFit/>
-          </a:bodyPr>
-          <a:lstStyle/>
-          <a:p>
-            <a:r>
-              <a:rPr lang="ru-RU" sz="2000" b="1" dirty="0" smtClean="0"/>
-              <a:t>8</a:t>
-            </a:r>
-            <a:endParaRPr lang="ru-RU" sz="2000" b="1" dirty="0"/>
           </a:p>
         </p:txBody>
       </p:sp>
@@ -6646,36 +7038,8 @@
         </p:blipFill>
         <p:spPr>
           <a:xfrm>
-            <a:off x="899592" y="1727267"/>
-            <a:ext cx="3240360" cy="3600400"/>
-          </a:xfrm>
-          <a:prstGeom prst="rect">
-            <a:avLst/>
-          </a:prstGeom>
-        </p:spPr>
-      </p:pic>
-      <p:pic>
-        <p:nvPicPr>
-          <p:cNvPr id="9" name="Рисунок 8"/>
-          <p:cNvPicPr/>
-          <p:nvPr/>
-        </p:nvPicPr>
-        <p:blipFill>
-          <a:blip r:embed="rId3">
-            <a:extLst>
-              <a:ext uri="{28A0092B-C50C-407E-A947-70E740481C1C}">
-                <a14:useLocalDpi xmlns:a14="http://schemas.microsoft.com/office/drawing/2010/main" val="0"/>
-              </a:ext>
-            </a:extLst>
-          </a:blip>
-          <a:stretch>
-            <a:fillRect/>
-          </a:stretch>
-        </p:blipFill>
-        <p:spPr>
-          <a:xfrm>
-            <a:off x="4932040" y="1727267"/>
-            <a:ext cx="3156071" cy="3600400"/>
+            <a:off x="450303" y="932315"/>
+            <a:ext cx="8400062" cy="4872949"/>
           </a:xfrm>
           <a:prstGeom prst="rect">
             <a:avLst/>
@@ -6685,7 +7049,7 @@
     </p:spTree>
     <p:extLst>
       <p:ext uri="{BB962C8B-B14F-4D97-AF65-F5344CB8AC3E}">
-        <p14:creationId xmlns:p14="http://schemas.microsoft.com/office/powerpoint/2010/main" val="3986816604"/>
+        <p14:creationId xmlns:p14="http://schemas.microsoft.com/office/powerpoint/2010/main" val="15878700"/>
       </p:ext>
     </p:extLst>
   </p:cSld>
@@ -6721,21 +7085,22 @@
       </p:grpSpPr>
       <p:sp>
         <p:nvSpPr>
-          <p:cNvPr id="2" name="Прямоугольник 1"/>
-          <p:cNvSpPr/>
+          <p:cNvPr id="2" name="TextBox 1"/>
+          <p:cNvSpPr txBox="1"/>
           <p:nvPr/>
         </p:nvSpPr>
         <p:spPr>
           <a:xfrm>
-            <a:off x="2714848" y="332656"/>
-            <a:ext cx="3501280" cy="369332"/>
-          </a:xfrm>
-          <a:prstGeom prst="rect">
-            <a:avLst/>
-          </a:prstGeom>
-        </p:spPr>
-        <p:txBody>
-          <a:bodyPr wrap="none">
+            <a:off x="3300790" y="431957"/>
+            <a:ext cx="2710999" cy="369332"/>
+          </a:xfrm>
+          <a:prstGeom prst="rect">
+            <a:avLst/>
+          </a:prstGeom>
+          <a:noFill/>
+        </p:spPr>
+        <p:txBody>
+          <a:bodyPr wrap="none" rtlCol="0">
             <a:spAutoFit/>
           </a:bodyPr>
           <a:lstStyle/>
@@ -6746,20 +7111,25 @@
                   <a:srgbClr val="FFC000"/>
                 </a:solidFill>
               </a:rPr>
-              <a:t>ВОЗМОЖНОСТИ РИЭЛТОРА</a:t>
-            </a:r>
-          </a:p>
-        </p:txBody>
-      </p:sp>
-      <p:sp>
-        <p:nvSpPr>
-          <p:cNvPr id="5" name="TextBox 4"/>
+              <a:t>КЛИЕНТСКАЯ ЧАСТЬ</a:t>
+            </a:r>
+            <a:endParaRPr lang="ru-RU" dirty="0">
+              <a:solidFill>
+                <a:srgbClr val="FFC000"/>
+              </a:solidFill>
+            </a:endParaRPr>
+          </a:p>
+        </p:txBody>
+      </p:sp>
+      <p:sp>
+        <p:nvSpPr>
+          <p:cNvPr id="4" name="TextBox 3"/>
           <p:cNvSpPr txBox="1"/>
           <p:nvPr/>
         </p:nvSpPr>
         <p:spPr>
           <a:xfrm>
-            <a:off x="8552621" y="6165304"/>
+            <a:off x="8469507" y="6165304"/>
             <a:ext cx="312906" cy="400110"/>
           </a:xfrm>
           <a:prstGeom prst="rect">
@@ -6774,7 +7144,7 @@
           <a:lstStyle/>
           <a:p>
             <a:r>
-              <a:rPr lang="ru-RU" sz="2000" b="1" dirty="0" smtClean="0"/>
+              <a:rPr lang="ru-RU" sz="2000" b="1" dirty="0"/>
               <a:t>9</a:t>
             </a:r>
             <a:endParaRPr lang="ru-RU" sz="2000" b="1" dirty="0"/>
@@ -6783,7 +7153,7 @@
       </p:sp>
       <p:pic>
         <p:nvPicPr>
-          <p:cNvPr id="6" name="Рисунок 5"/>
+          <p:cNvPr id="7" name="Рисунок 6"/>
           <p:cNvPicPr/>
           <p:nvPr/>
         </p:nvPicPr>
@@ -6801,8 +7171,36 @@
         </p:blipFill>
         <p:spPr>
           <a:xfrm>
-            <a:off x="421998" y="980728"/>
-            <a:ext cx="8424936" cy="5040560"/>
+            <a:off x="899592" y="1727267"/>
+            <a:ext cx="3240360" cy="3429925"/>
+          </a:xfrm>
+          <a:prstGeom prst="rect">
+            <a:avLst/>
+          </a:prstGeom>
+        </p:spPr>
+      </p:pic>
+      <p:pic>
+        <p:nvPicPr>
+          <p:cNvPr id="9" name="Рисунок 8"/>
+          <p:cNvPicPr/>
+          <p:nvPr/>
+        </p:nvPicPr>
+        <p:blipFill>
+          <a:blip r:embed="rId3">
+            <a:extLst>
+              <a:ext uri="{28A0092B-C50C-407E-A947-70E740481C1C}">
+                <a14:useLocalDpi xmlns:a14="http://schemas.microsoft.com/office/drawing/2010/main" val="0"/>
+              </a:ext>
+            </a:extLst>
+          </a:blip>
+          <a:stretch>
+            <a:fillRect/>
+          </a:stretch>
+        </p:blipFill>
+        <p:spPr>
+          <a:xfrm>
+            <a:off x="4932040" y="1727267"/>
+            <a:ext cx="3156071" cy="3429925"/>
           </a:xfrm>
           <a:prstGeom prst="rect">
             <a:avLst/>
@@ -6812,7 +7210,7 @@
     </p:spTree>
     <p:extLst>
       <p:ext uri="{BB962C8B-B14F-4D97-AF65-F5344CB8AC3E}">
-        <p14:creationId xmlns:p14="http://schemas.microsoft.com/office/powerpoint/2010/main" val="2901966236"/>
+        <p14:creationId xmlns:p14="http://schemas.microsoft.com/office/powerpoint/2010/main" val="3986816604"/>
       </p:ext>
     </p:extLst>
   </p:cSld>

--- a/Смирнов М.Л. курсовой проект по ВП на тему 'Риэлтерское агентство'/Смирнов М. Л. курсовой проект по ВП на тему 'Риэлтерское агентство'.pptx
+++ b/Смирнов М.Л. курсовой проект по ВП на тему 'Риэлтерское агентство'/Смирнов М. Л. курсовой проект по ВП на тему 'Риэлтерское агентство'.pptx
@@ -207,7 +207,7 @@
           <a:p>
             <a:fld id="{1C5CD7D0-7875-4795-81EF-AD3B415EDF39}" type="datetimeFigureOut">
               <a:rPr lang="ru-RU" smtClean="0"/>
-              <a:t>30.05.2020</a:t>
+              <a:t>31.05.2020</a:t>
             </a:fld>
             <a:endParaRPr lang="ru-RU"/>
           </a:p>
@@ -796,7 +796,7 @@
           <a:p>
             <a:fld id="{3472468D-ADE4-4441-BC80-8C42668ED80E}" type="datetimeFigureOut">
               <a:rPr lang="ru-RU" smtClean="0"/>
-              <a:t>30.05.2020</a:t>
+              <a:t>31.05.2020</a:t>
             </a:fld>
             <a:endParaRPr lang="ru-RU"/>
           </a:p>
@@ -966,7 +966,7 @@
           <a:p>
             <a:fld id="{3472468D-ADE4-4441-BC80-8C42668ED80E}" type="datetimeFigureOut">
               <a:rPr lang="ru-RU" smtClean="0"/>
-              <a:t>30.05.2020</a:t>
+              <a:t>31.05.2020</a:t>
             </a:fld>
             <a:endParaRPr lang="ru-RU"/>
           </a:p>
@@ -1141,7 +1141,7 @@
           <a:p>
             <a:fld id="{3472468D-ADE4-4441-BC80-8C42668ED80E}" type="datetimeFigureOut">
               <a:rPr lang="ru-RU" smtClean="0"/>
-              <a:t>30.05.2020</a:t>
+              <a:t>31.05.2020</a:t>
             </a:fld>
             <a:endParaRPr lang="ru-RU"/>
           </a:p>
@@ -1306,7 +1306,7 @@
           <a:p>
             <a:fld id="{3472468D-ADE4-4441-BC80-8C42668ED80E}" type="datetimeFigureOut">
               <a:rPr lang="ru-RU" smtClean="0"/>
-              <a:t>30.05.2020</a:t>
+              <a:t>31.05.2020</a:t>
             </a:fld>
             <a:endParaRPr lang="ru-RU"/>
           </a:p>
@@ -1563,7 +1563,7 @@
           <a:p>
             <a:fld id="{3472468D-ADE4-4441-BC80-8C42668ED80E}" type="datetimeFigureOut">
               <a:rPr lang="ru-RU" smtClean="0"/>
-              <a:t>30.05.2020</a:t>
+              <a:t>31.05.2020</a:t>
             </a:fld>
             <a:endParaRPr lang="ru-RU"/>
           </a:p>
@@ -1703,7 +1703,7 @@
           <a:p>
             <a:fld id="{3472468D-ADE4-4441-BC80-8C42668ED80E}" type="datetimeFigureOut">
               <a:rPr lang="ru-RU" smtClean="0"/>
-              <a:t>30.05.2020</a:t>
+              <a:t>31.05.2020</a:t>
             </a:fld>
             <a:endParaRPr lang="ru-RU"/>
           </a:p>
@@ -2353,7 +2353,7 @@
           <a:p>
             <a:fld id="{3472468D-ADE4-4441-BC80-8C42668ED80E}" type="datetimeFigureOut">
               <a:rPr lang="ru-RU" smtClean="0"/>
-              <a:t>30.05.2020</a:t>
+              <a:t>31.05.2020</a:t>
             </a:fld>
             <a:endParaRPr lang="ru-RU"/>
           </a:p>
@@ -2466,7 +2466,7 @@
           <a:p>
             <a:fld id="{3472468D-ADE4-4441-BC80-8C42668ED80E}" type="datetimeFigureOut">
               <a:rPr lang="ru-RU" smtClean="0"/>
-              <a:t>30.05.2020</a:t>
+              <a:t>31.05.2020</a:t>
             </a:fld>
             <a:endParaRPr lang="ru-RU"/>
           </a:p>
@@ -2556,7 +2556,7 @@
           <a:p>
             <a:fld id="{3472468D-ADE4-4441-BC80-8C42668ED80E}" type="datetimeFigureOut">
               <a:rPr lang="ru-RU" smtClean="0"/>
-              <a:t>30.05.2020</a:t>
+              <a:t>31.05.2020</a:t>
             </a:fld>
             <a:endParaRPr lang="ru-RU"/>
           </a:p>
@@ -2846,7 +2846,7 @@
           <a:p>
             <a:fld id="{3472468D-ADE4-4441-BC80-8C42668ED80E}" type="datetimeFigureOut">
               <a:rPr lang="ru-RU" smtClean="0"/>
-              <a:t>30.05.2020</a:t>
+              <a:t>31.05.2020</a:t>
             </a:fld>
             <a:endParaRPr lang="ru-RU"/>
           </a:p>
@@ -3169,7 +3169,7 @@
           <a:p>
             <a:fld id="{3472468D-ADE4-4441-BC80-8C42668ED80E}" type="datetimeFigureOut">
               <a:rPr lang="ru-RU" smtClean="0"/>
-              <a:t>30.05.2020</a:t>
+              <a:t>31.05.2020</a:t>
             </a:fld>
             <a:endParaRPr lang="ru-RU"/>
           </a:p>
@@ -3626,7 +3626,7 @@
           <a:p>
             <a:fld id="{3472468D-ADE4-4441-BC80-8C42668ED80E}" type="datetimeFigureOut">
               <a:rPr lang="ru-RU" smtClean="0"/>
-              <a:t>30.05.2020</a:t>
+              <a:t>31.05.2020</a:t>
             </a:fld>
             <a:endParaRPr lang="ru-RU"/>
           </a:p>
@@ -4381,11 +4381,7 @@
             </a:r>
             <a:r>
               <a:rPr lang="ru-RU" sz="1600" dirty="0" smtClean="0"/>
-              <a:t>, </a:t>
-            </a:r>
-            <a:r>
-              <a:rPr lang="ru-RU" sz="1600" dirty="0" smtClean="0"/>
-              <a:t>доцент кафедры ИСУИР </a:t>
+              <a:t>, доцент кафедры ИСУИР </a:t>
             </a:r>
             <a:r>
               <a:rPr lang="ru-RU" sz="1600" dirty="0" err="1" smtClean="0"/>
@@ -4499,8 +4495,10 @@
       </p:sp>
       <p:pic>
         <p:nvPicPr>
-          <p:cNvPr id="6" name="Рисунок 5"/>
-          <p:cNvPicPr/>
+          <p:cNvPr id="3" name="Рисунок 2"/>
+          <p:cNvPicPr>
+            <a:picLocks noChangeAspect="1"/>
+          </p:cNvPicPr>
           <p:nvPr/>
         </p:nvPicPr>
         <p:blipFill>
@@ -4517,8 +4515,8 @@
         </p:blipFill>
         <p:spPr>
           <a:xfrm>
-            <a:off x="421998" y="1124744"/>
-            <a:ext cx="8424936" cy="4752528"/>
+            <a:off x="220573" y="851428"/>
+            <a:ext cx="8681005" cy="4880682"/>
           </a:xfrm>
           <a:prstGeom prst="rect">
             <a:avLst/>
@@ -4632,8 +4630,10 @@
       </p:sp>
       <p:pic>
         <p:nvPicPr>
-          <p:cNvPr id="7" name="Рисунок 6"/>
-          <p:cNvPicPr/>
+          <p:cNvPr id="4" name="Рисунок 3"/>
+          <p:cNvPicPr>
+            <a:picLocks noChangeAspect="1"/>
+          </p:cNvPicPr>
           <p:nvPr/>
         </p:nvPicPr>
         <p:blipFill>
@@ -4650,8 +4650,8 @@
         </p:blipFill>
         <p:spPr>
           <a:xfrm>
-            <a:off x="427421" y="1196752"/>
-            <a:ext cx="8160786" cy="4752527"/>
+            <a:off x="251520" y="858506"/>
+            <a:ext cx="8668347" cy="4873566"/>
           </a:xfrm>
           <a:prstGeom prst="rect">
             <a:avLst/>
@@ -6981,7 +6981,6 @@
               <a:rPr lang="ru-RU" sz="2000" b="1" dirty="0"/>
               <a:t>8</a:t>
             </a:r>
-            <a:endParaRPr lang="ru-RU" sz="2000" b="1" dirty="0"/>
           </a:p>
         </p:txBody>
       </p:sp>
@@ -7147,7 +7146,6 @@
               <a:rPr lang="ru-RU" sz="2000" b="1" dirty="0"/>
               <a:t>9</a:t>
             </a:r>
-            <a:endParaRPr lang="ru-RU" sz="2000" b="1" dirty="0"/>
           </a:p>
         </p:txBody>
       </p:sp>
